--- a/Visualizations/MidBootProj-Slides-Lucas.pptx
+++ b/Visualizations/MidBootProj-Slides-Lucas.pptx
@@ -1421,7 +1421,7 @@
   <p:cSld>
     <p:spTree>
       <p:nvGrpSpPr>
-        <p:cNvPr id="282" name="Shape 282"/>
+        <p:cNvPr id="284" name="Shape 284"/>
         <p:cNvGrpSpPr/>
         <p:nvPr/>
       </p:nvGrpSpPr>
@@ -1435,7 +1435,7 @@
       </p:grpSpPr>
       <p:sp>
         <p:nvSpPr>
-          <p:cNvPr id="283" name="Google Shape;283;g11bfdf3530a_0_1:notes"/>
+          <p:cNvPr id="285" name="Google Shape;285;g11bfdf3530a_0_1:notes"/>
           <p:cNvSpPr/>
           <p:nvPr>
             <p:ph idx="2" type="sldImg"/>
@@ -1470,7 +1470,7 @@
       </p:sp>
       <p:sp>
         <p:nvSpPr>
-          <p:cNvPr id="284" name="Google Shape;284;g11bfdf3530a_0_1:notes"/>
+          <p:cNvPr id="286" name="Google Shape;286;g11bfdf3530a_0_1:notes"/>
           <p:cNvSpPr txBox="1"/>
           <p:nvPr>
             <p:ph idx="1" type="body"/>
@@ -17091,7 +17091,7 @@
             </a:pPr>
             <a:r>
               <a:rPr lang="en" sz="1800"/>
-              <a:t>Model accuracy: 72.25% -&gt; On average the model is off by 195k</a:t>
+              <a:t>Model accuracy (k= 7): 72.25% -&gt; On average the model is off by 195k</a:t>
             </a:r>
             <a:endParaRPr sz="1800"/>
           </a:p>
@@ -17369,7 +17369,7 @@
                   <a:cs typeface="Fira Sans Extra Condensed"/>
                   <a:sym typeface="Fira Sans Extra Condensed"/>
                 </a:rPr>
-                <a:t>0.04</a:t>
+                <a:t>0.4</a:t>
               </a:r>
               <a:endParaRPr>
                 <a:solidFill>
@@ -18732,7 +18732,7 @@
                   <a:cs typeface="Fira Sans Extra Condensed"/>
                   <a:sym typeface="Fira Sans Extra Condensed"/>
                 </a:rPr>
-                <a:t>0.01</a:t>
+                <a:t>0.1</a:t>
               </a:r>
               <a:endParaRPr>
                 <a:solidFill>
@@ -22596,7 +22596,7 @@
                 <a:cs typeface="Fira Sans Extra Condensed SemiBold"/>
                 <a:sym typeface="Fira Sans Extra Condensed SemiBold"/>
               </a:rPr>
-              <a:t>0.044</a:t>
+              <a:t>0.44</a:t>
             </a:r>
             <a:endParaRPr sz="1600">
               <a:solidFill>
@@ -27155,6 +27155,110 @@
           </a:ln>
         </p:spPr>
       </p:cxnSp>
+      <p:sp>
+        <p:nvSpPr>
+          <p:cNvPr id="282" name="Google Shape;282;p19"/>
+          <p:cNvSpPr txBox="1"/>
+          <p:nvPr/>
+        </p:nvSpPr>
+        <p:spPr>
+          <a:xfrm>
+            <a:off x="6036900" y="3467900"/>
+            <a:ext cx="1705500" cy="354000"/>
+          </a:xfrm>
+          <a:prstGeom prst="rect">
+            <a:avLst/>
+          </a:prstGeom>
+          <a:noFill/>
+          <a:ln>
+            <a:noFill/>
+          </a:ln>
+        </p:spPr>
+        <p:txBody>
+          <a:bodyPr anchorCtr="0" anchor="t" bIns="91425" lIns="91425" spcFirstLastPara="1" rIns="91425" wrap="square" tIns="91425">
+            <a:spAutoFit/>
+          </a:bodyPr>
+          <a:lstStyle/>
+          <a:p>
+            <a:pPr indent="0" lvl="0" marL="0" rtl="0" algn="l">
+              <a:spcBef>
+                <a:spcPts val="0"/>
+              </a:spcBef>
+              <a:spcAft>
+                <a:spcPts val="0"/>
+              </a:spcAft>
+              <a:buNone/>
+            </a:pPr>
+            <a:r>
+              <a:rPr lang="en" sz="1100">
+                <a:latin typeface="Roboto"/>
+                <a:ea typeface="Roboto"/>
+                <a:cs typeface="Roboto"/>
+                <a:sym typeface="Roboto"/>
+              </a:rPr>
+              <a:t>Rough estimate on price</a:t>
+            </a:r>
+            <a:endParaRPr sz="1100">
+              <a:latin typeface="Roboto"/>
+              <a:ea typeface="Roboto"/>
+              <a:cs typeface="Roboto"/>
+              <a:sym typeface="Roboto"/>
+            </a:endParaRPr>
+          </a:p>
+        </p:txBody>
+      </p:sp>
+      <p:sp>
+        <p:nvSpPr>
+          <p:cNvPr id="283" name="Google Shape;283;p19"/>
+          <p:cNvSpPr txBox="1"/>
+          <p:nvPr/>
+        </p:nvSpPr>
+        <p:spPr>
+          <a:xfrm>
+            <a:off x="5587675" y="2746525"/>
+            <a:ext cx="2289900" cy="354000"/>
+          </a:xfrm>
+          <a:prstGeom prst="rect">
+            <a:avLst/>
+          </a:prstGeom>
+          <a:noFill/>
+          <a:ln>
+            <a:noFill/>
+          </a:ln>
+        </p:spPr>
+        <p:txBody>
+          <a:bodyPr anchorCtr="0" anchor="t" bIns="91425" lIns="91425" spcFirstLastPara="1" rIns="91425" wrap="square" tIns="91425">
+            <a:spAutoFit/>
+          </a:bodyPr>
+          <a:lstStyle/>
+          <a:p>
+            <a:pPr indent="0" lvl="0" marL="0" rtl="0" algn="l">
+              <a:spcBef>
+                <a:spcPts val="0"/>
+              </a:spcBef>
+              <a:spcAft>
+                <a:spcPts val="0"/>
+              </a:spcAft>
+              <a:buNone/>
+            </a:pPr>
+            <a:r>
+              <a:rPr lang="en" sz="1100">
+                <a:latin typeface="Roboto"/>
+                <a:ea typeface="Roboto"/>
+                <a:cs typeface="Roboto"/>
+                <a:sym typeface="Roboto"/>
+              </a:rPr>
+              <a:t>Which features determine price</a:t>
+            </a:r>
+            <a:endParaRPr sz="1100">
+              <a:latin typeface="Roboto"/>
+              <a:ea typeface="Roboto"/>
+              <a:cs typeface="Roboto"/>
+              <a:sym typeface="Roboto"/>
+            </a:endParaRPr>
+          </a:p>
+        </p:txBody>
+      </p:sp>
     </p:spTree>
   </p:cSld>
   <p:clrMapOvr>
@@ -27168,7 +27272,7 @@
   <p:cSld>
     <p:spTree>
       <p:nvGrpSpPr>
-        <p:cNvPr id="285" name="Shape 285"/>
+        <p:cNvPr id="287" name="Shape 287"/>
         <p:cNvGrpSpPr/>
         <p:nvPr/>
       </p:nvGrpSpPr>
@@ -27182,7 +27286,7 @@
       </p:grpSpPr>
       <p:sp>
         <p:nvSpPr>
-          <p:cNvPr id="286" name="Google Shape;286;p20"/>
+          <p:cNvPr id="288" name="Google Shape;288;p20"/>
           <p:cNvSpPr txBox="1"/>
           <p:nvPr>
             <p:ph type="title"/>
@@ -27253,7 +27357,7 @@
       </p:sp>
       <p:sp>
         <p:nvSpPr>
-          <p:cNvPr id="287" name="Google Shape;287;p20"/>
+          <p:cNvPr id="289" name="Google Shape;289;p20"/>
           <p:cNvSpPr txBox="1"/>
           <p:nvPr/>
         </p:nvSpPr>
@@ -27316,7 +27420,7 @@
       </p:sp>
       <p:sp>
         <p:nvSpPr>
-          <p:cNvPr id="288" name="Google Shape;288;p20"/>
+          <p:cNvPr id="290" name="Google Shape;290;p20"/>
           <p:cNvSpPr txBox="1"/>
           <p:nvPr/>
         </p:nvSpPr>
